--- a/documenti/Presentazione.pptx
+++ b/documenti/Presentazione.pptx
@@ -115,6 +115,11 @@
       </a:defRPr>
     </a:lvl9pPr>
   </p:defaultTextStyle>
+  <p:extLst>
+    <p:ext uri="{EFAFB233-063F-42B5-8137-9DF3F51BA10A}">
+      <p15:sldGuideLst xmlns:p15="http://schemas.microsoft.com/office/powerpoint/2012/main"/>
+    </p:ext>
+  </p:extLst>
 </p:presentation>
 </file>
 
@@ -5364,12 +5369,8 @@
           <a:lstStyle/>
           <a:p>
             <a:r>
-              <a:rPr lang="it-IT" dirty="0" err="1"/>
-              <a:t>Elicitiati</a:t>
-            </a:r>
-            <a:r>
               <a:rPr lang="it-IT" dirty="0"/>
-              <a:t> tramite brainstorming e confronto continuo con il Team, dividendo tra </a:t>
+              <a:t>Elicitati tramite brainstorming e confronto continuo con il Team, dividendo tra </a:t>
             </a:r>
             <a:r>
               <a:rPr lang="it-IT" i="1" dirty="0"/>
@@ -5435,15 +5436,7 @@
             </a:r>
             <a:r>
               <a:rPr lang="it-IT" dirty="0"/>
-              <a:t>: gestione </a:t>
-            </a:r>
-            <a:r>
-              <a:rPr lang="it-IT" dirty="0" err="1"/>
-              <a:t>scehda</a:t>
-            </a:r>
-            <a:r>
-              <a:rPr lang="it-IT" dirty="0"/>
-              <a:t> allenamento e storico pagamenti</a:t>
+              <a:t>: gestione scheda allenamento e storico pagamenti</a:t>
             </a:r>
           </a:p>
           <a:p>
@@ -5641,8 +5634,13 @@
             </a:r>
             <a:r>
               <a:rPr lang="it-IT" sz="2600" dirty="0"/>
-              <a:t>gestione eventi e coordinamento tra Model e Vi</a:t>
-            </a:r>
+              <a:t>gestione eventi e coordinamento tra Model e </a:t>
+            </a:r>
+            <a:r>
+              <a:rPr lang="it-IT" sz="2600" dirty="0" err="1"/>
+              <a:t>View</a:t>
+            </a:r>
+            <a:endParaRPr lang="it-IT" sz="2600" dirty="0"/>
           </a:p>
           <a:p>
             <a:pPr marL="0" indent="0">
@@ -5761,15 +5759,7 @@
           <a:p>
             <a:r>
               <a:rPr lang="it-IT" sz="2600" dirty="0"/>
-              <a:t>Le metriche considerate sono: accoppiamento, coesione, </a:t>
-            </a:r>
-            <a:r>
-              <a:rPr lang="it-IT" sz="2600" dirty="0" err="1"/>
-              <a:t>complessit</a:t>
-            </a:r>
-            <a:r>
-              <a:rPr lang="it-IT" sz="2600" dirty="0"/>
-              <a:t>, tramite </a:t>
+              <a:t>Le metriche considerate sono: accoppiamento, coesione, complessità, tramite </a:t>
             </a:r>
             <a:r>
               <a:rPr lang="it-IT" sz="2600" i="1" dirty="0"/>
